--- a/Semanticka_klasifikacija_GavriloDrljaca.pptx
+++ b/Semanticka_klasifikacija_GavriloDrljaca.pptx
@@ -11,6 +11,11 @@
     <p:sldId id="258" r:id="rId5"/>
     <p:sldId id="259" r:id="rId6"/>
     <p:sldId id="261" r:id="rId7"/>
+    <p:sldId id="262" r:id="rId8"/>
+    <p:sldId id="263" r:id="rId9"/>
+    <p:sldId id="264" r:id="rId10"/>
+    <p:sldId id="265" r:id="rId11"/>
+    <p:sldId id="266" r:id="rId12"/>
   </p:sldIdLst>
   <p:sldSz cx="9144000" cy="6858000" type="screen4x3"/>
   <p:notesSz cx="6858000" cy="9144000"/>
@@ -6214,7 +6219,7 @@
         </p:nvSpPr>
         <p:spPr>
           <a:xfrm>
-            <a:off x="251520" y="5105400"/>
+            <a:off x="395536" y="5105400"/>
             <a:ext cx="6400800" cy="1752600"/>
           </a:xfrm>
         </p:spPr>
@@ -6327,6 +6332,189 @@
     <p:extLst>
       <p:ext uri="{BB962C8B-B14F-4D97-AF65-F5344CB8AC3E}">
         <p14:creationId xmlns:p14="http://schemas.microsoft.com/office/powerpoint/2010/main" val="545759757"/>
+      </p:ext>
+    </p:extLst>
+  </p:cSld>
+  <p:clrMapOvr>
+    <a:masterClrMapping/>
+  </p:clrMapOvr>
+</p:sld>
+</file>
+
+<file path=ppt/slides/slide10.xml><?xml version="1.0" encoding="utf-8"?>
+<p:sld xmlns:a="http://schemas.openxmlformats.org/drawingml/2006/main" xmlns:r="http://schemas.openxmlformats.org/officeDocument/2006/relationships" xmlns:p="http://schemas.openxmlformats.org/presentationml/2006/main">
+  <p:cSld>
+    <p:spTree>
+      <p:nvGrpSpPr>
+        <p:cNvPr id="1" name=""/>
+        <p:cNvGrpSpPr/>
+        <p:nvPr/>
+      </p:nvGrpSpPr>
+      <p:grpSpPr>
+        <a:xfrm>
+          <a:off x="0" y="0"/>
+          <a:ext cx="0" cy="0"/>
+          <a:chOff x="0" y="0"/>
+          <a:chExt cx="0" cy="0"/>
+        </a:xfrm>
+      </p:grpSpPr>
+      <p:sp>
+        <p:nvSpPr>
+          <p:cNvPr id="2" name="Title 1"/>
+          <p:cNvSpPr>
+            <a:spLocks noGrp="1"/>
+          </p:cNvSpPr>
+          <p:nvPr>
+            <p:ph type="title"/>
+          </p:nvPr>
+        </p:nvSpPr>
+        <p:spPr/>
+        <p:txBody>
+          <a:bodyPr/>
+          <a:lstStyle/>
+          <a:p>
+            <a:r>
+              <a:rPr lang="sr-Latn-RS" dirty="0" smtClean="0"/>
+              <a:t>Koraci implementacije</a:t>
+            </a:r>
+            <a:endParaRPr lang="sr-Latn-RS" dirty="0"/>
+          </a:p>
+        </p:txBody>
+      </p:sp>
+      <p:sp>
+        <p:nvSpPr>
+          <p:cNvPr id="3" name="Content Placeholder 2"/>
+          <p:cNvSpPr>
+            <a:spLocks noGrp="1"/>
+          </p:cNvSpPr>
+          <p:nvPr>
+            <p:ph sz="quarter" idx="1"/>
+          </p:nvPr>
+        </p:nvSpPr>
+        <p:spPr/>
+        <p:txBody>
+          <a:bodyPr/>
+          <a:lstStyle/>
+          <a:p>
+            <a:r>
+              <a:rPr lang="sr-Latn-RS" b="1" dirty="0" smtClean="0"/>
+              <a:t>Klasifikacija tvitova</a:t>
+            </a:r>
+          </a:p>
+          <a:p>
+            <a:pPr lvl="1"/>
+            <a:r>
+              <a:rPr lang="sr-Latn-RS" b="1" dirty="0" smtClean="0"/>
+              <a:t>Svi, ili određeni broj tvitova izabranog korisnika se po potrebi modifikuju.</a:t>
+            </a:r>
+          </a:p>
+          <a:p>
+            <a:pPr lvl="1"/>
+            <a:r>
+              <a:rPr lang="sr-Latn-RS" b="1" dirty="0" smtClean="0"/>
+              <a:t>Klasifikuju se putem već obučene neuronske mreže</a:t>
+            </a:r>
+          </a:p>
+          <a:p>
+            <a:pPr lvl="1"/>
+            <a:r>
+              <a:rPr lang="sr-Latn-RS" b="1" dirty="0" smtClean="0"/>
+              <a:t>Analiza dobijenih podataka</a:t>
+            </a:r>
+            <a:endParaRPr lang="sr-Latn-RS" b="1" dirty="0"/>
+          </a:p>
+        </p:txBody>
+      </p:sp>
+    </p:spTree>
+    <p:extLst>
+      <p:ext uri="{BB962C8B-B14F-4D97-AF65-F5344CB8AC3E}">
+        <p14:creationId xmlns:p14="http://schemas.microsoft.com/office/powerpoint/2010/main" val="2312766584"/>
+      </p:ext>
+    </p:extLst>
+  </p:cSld>
+  <p:clrMapOvr>
+    <a:masterClrMapping/>
+  </p:clrMapOvr>
+</p:sld>
+</file>
+
+<file path=ppt/slides/slide11.xml><?xml version="1.0" encoding="utf-8"?>
+<p:sld xmlns:a="http://schemas.openxmlformats.org/drawingml/2006/main" xmlns:r="http://schemas.openxmlformats.org/officeDocument/2006/relationships" xmlns:p="http://schemas.openxmlformats.org/presentationml/2006/main">
+  <p:cSld>
+    <p:spTree>
+      <p:nvGrpSpPr>
+        <p:cNvPr id="1" name=""/>
+        <p:cNvGrpSpPr/>
+        <p:nvPr/>
+      </p:nvGrpSpPr>
+      <p:grpSpPr>
+        <a:xfrm>
+          <a:off x="0" y="0"/>
+          <a:ext cx="0" cy="0"/>
+          <a:chOff x="0" y="0"/>
+          <a:chExt cx="0" cy="0"/>
+        </a:xfrm>
+      </p:grpSpPr>
+      <p:sp>
+        <p:nvSpPr>
+          <p:cNvPr id="2" name="Title 1"/>
+          <p:cNvSpPr>
+            <a:spLocks noGrp="1"/>
+          </p:cNvSpPr>
+          <p:nvPr>
+            <p:ph type="title"/>
+          </p:nvPr>
+        </p:nvSpPr>
+        <p:spPr/>
+        <p:txBody>
+          <a:bodyPr/>
+          <a:lstStyle/>
+          <a:p>
+            <a:r>
+              <a:rPr lang="sr-Latn-RS" dirty="0" smtClean="0"/>
+              <a:t>Koraci implementacije</a:t>
+            </a:r>
+            <a:endParaRPr lang="sr-Latn-RS" dirty="0"/>
+          </a:p>
+        </p:txBody>
+      </p:sp>
+      <p:sp>
+        <p:nvSpPr>
+          <p:cNvPr id="3" name="Content Placeholder 2"/>
+          <p:cNvSpPr>
+            <a:spLocks noGrp="1"/>
+          </p:cNvSpPr>
+          <p:nvPr>
+            <p:ph sz="quarter" idx="1"/>
+          </p:nvPr>
+        </p:nvSpPr>
+        <p:spPr/>
+        <p:txBody>
+          <a:bodyPr/>
+          <a:lstStyle/>
+          <a:p>
+            <a:r>
+              <a:rPr lang="sr-Latn-RS" b="1" dirty="0" smtClean="0"/>
+              <a:t>Grafički prikaz dobijenih rezultata</a:t>
+            </a:r>
+          </a:p>
+          <a:p>
+            <a:pPr lvl="1"/>
+            <a:r>
+              <a:rPr lang="sr-Latn-RS" b="1" dirty="0" smtClean="0"/>
+              <a:t>Dobijeni rezultati prikazuju na način sličan prikazanom u nekom od prethodnih slajdova.</a:t>
+            </a:r>
+          </a:p>
+          <a:p>
+            <a:pPr lvl="1"/>
+            <a:endParaRPr lang="sr-Latn-RS" dirty="0"/>
+          </a:p>
+        </p:txBody>
+      </p:sp>
+    </p:spTree>
+    <p:extLst>
+      <p:ext uri="{BB962C8B-B14F-4D97-AF65-F5344CB8AC3E}">
+        <p14:creationId xmlns:p14="http://schemas.microsoft.com/office/powerpoint/2010/main" val="358806271"/>
       </p:ext>
     </p:extLst>
   </p:cSld>
@@ -6576,12 +6764,59 @@
             <p:ph sz="quarter" idx="1"/>
           </p:nvPr>
         </p:nvSpPr>
-        <p:spPr/>
-        <p:txBody>
-          <a:bodyPr/>
-          <a:lstStyle/>
-          <a:p>
-            <a:endParaRPr lang="sr-Latn-RS"/>
+        <p:spPr>
+          <a:xfrm>
+            <a:off x="301752" y="1527048"/>
+            <a:ext cx="8503920" cy="4782272"/>
+          </a:xfrm>
+        </p:spPr>
+        <p:txBody>
+          <a:bodyPr>
+            <a:normAutofit lnSpcReduction="10000"/>
+          </a:bodyPr>
+          <a:lstStyle/>
+          <a:p>
+            <a:r>
+              <a:rPr lang="sr-Latn-RS" dirty="0" smtClean="0"/>
+              <a:t>Analiza Twitter-a je čest predmet proučavanja iskoristivosti mašinskog učenja i neuronskih mreža, te postoji dosta rešenja koja se uglavnom bave analizom polariteta tvitova (pozitivan, negativna i neutralan stav o nekoj temi).</a:t>
+            </a:r>
+          </a:p>
+          <a:p>
+            <a:r>
+              <a:rPr lang="sr-Latn-RS" dirty="0" smtClean="0"/>
+              <a:t>Neki od radova su:</a:t>
+            </a:r>
+          </a:p>
+          <a:p>
+            <a:pPr lvl="1"/>
+            <a:r>
+              <a:rPr lang="sr-Latn-RS" dirty="0" smtClean="0"/>
+              <a:t>„</a:t>
+            </a:r>
+            <a:r>
+              <a:rPr lang="en-US" dirty="0"/>
+              <a:t> Twitter Sentiment Analysis with Recursive Neural Networks </a:t>
+            </a:r>
+            <a:r>
+              <a:rPr lang="sr-Latn-RS" dirty="0" smtClean="0"/>
+              <a:t>„, Ye Yuan, You Zhou, Department of Computer Science, Stanford University</a:t>
+            </a:r>
+          </a:p>
+          <a:p>
+            <a:pPr lvl="1"/>
+            <a:r>
+              <a:rPr lang="sr-Latn-RS" dirty="0" smtClean="0"/>
+              <a:t>„Twitter Trending Topic Classification“ Department of Electrical Engineering and Computer Science, McCormick Nothwestern Engineering, Katy Lee.</a:t>
+            </a:r>
+            <a:endParaRPr lang="sr-Latn-RS" dirty="0"/>
+          </a:p>
+          <a:p>
+            <a:pPr lvl="1"/>
+            <a:r>
+              <a:rPr lang="sr-Latn-RS" dirty="0" smtClean="0"/>
+              <a:t>Mnogobrojni radovi na temi NLP-a</a:t>
+            </a:r>
+            <a:endParaRPr lang="sr-Latn-RS" dirty="0"/>
           </a:p>
         </p:txBody>
       </p:sp>
@@ -6761,12 +6996,84 @@
           <a:p>
             <a:r>
               <a:rPr lang="sr-Latn-RS" b="1" dirty="0" smtClean="0"/>
-              <a:t>Izbor trening podataka tj. DataSet-a</a:t>
-            </a:r>
+              <a:t>Izbor trening podataka tj. </a:t>
+            </a:r>
+            <a:r>
+              <a:rPr lang="sr-Latn-RS" b="1" dirty="0" smtClean="0"/>
+              <a:t>DataSet-a</a:t>
+            </a:r>
+            <a:endParaRPr lang="en-US" b="1" dirty="0" smtClean="0"/>
           </a:p>
           <a:p>
             <a:pPr lvl="1"/>
+            <a:r>
+              <a:rPr lang="sr-Latn-RS" b="1" dirty="0" smtClean="0"/>
+              <a:t>Vec postojeći</a:t>
+            </a:r>
+            <a:r>
+              <a:rPr lang="en-US" b="1" dirty="0" smtClean="0"/>
+              <a:t> dataset </a:t>
+            </a:r>
+            <a:r>
+              <a:rPr lang="en-US" b="1" dirty="0" err="1" smtClean="0"/>
+              <a:t>sa</a:t>
+            </a:r>
+            <a:r>
+              <a:rPr lang="en-US" b="1" dirty="0" smtClean="0"/>
+              <a:t> </a:t>
+            </a:r>
+            <a:r>
+              <a:rPr lang="en-US" b="1" dirty="0" err="1" smtClean="0"/>
+              <a:t>klasifikovani</a:t>
+            </a:r>
+            <a:r>
+              <a:rPr lang="sr-Latn-RS" b="1" dirty="0" smtClean="0"/>
+              <a:t>m većim brojem tvitova.</a:t>
+            </a:r>
+            <a:r>
+              <a:rPr lang="en-US" b="1" dirty="0" smtClean="0"/>
+              <a:t> </a:t>
+            </a:r>
+          </a:p>
+          <a:p>
+            <a:pPr lvl="1"/>
+            <a:endParaRPr lang="en-US" b="1" dirty="0"/>
+          </a:p>
+          <a:p>
+            <a:pPr lvl="1"/>
+            <a:r>
+              <a:rPr lang="en-US" b="1" dirty="0" err="1" smtClean="0"/>
+              <a:t>Alternativno</a:t>
+            </a:r>
+            <a:r>
+              <a:rPr lang="en-US" b="1" dirty="0" smtClean="0"/>
+              <a:t>: “Sentence Classification Data Set” –UCI Machine Learning Repository, </a:t>
+            </a:r>
+            <a:r>
+              <a:rPr lang="en-US" b="1" dirty="0" err="1" smtClean="0"/>
+              <a:t>koji</a:t>
+            </a:r>
+            <a:r>
+              <a:rPr lang="en-US" b="1" dirty="0" smtClean="0"/>
+              <a:t> </a:t>
+            </a:r>
+            <a:r>
+              <a:rPr lang="en-US" b="1" dirty="0" err="1" smtClean="0"/>
+              <a:t>sadr</a:t>
+            </a:r>
+            <a:r>
+              <a:rPr lang="sr-Latn-RS" b="1" dirty="0" smtClean="0"/>
+              <a:t>ži 90 članaka iz 30 oblasti, sa 2500 rečenica.</a:t>
+            </a:r>
             <a:endParaRPr lang="sr-Latn-RS" b="1" dirty="0"/>
+          </a:p>
+          <a:p>
+            <a:pPr lvl="1"/>
+            <a:r>
+              <a:rPr lang="sr-Latn-RS" b="1" dirty="0" smtClean="0"/>
+              <a:t>Alternativno: Ukoliko se ne pronadje odgovarajući skup podataka sa vec klasifikovanim tvitovima, sam odraditi klasifikovanje jednog manjeg broja tvitova (do 500) i njega koristiti za obuku.</a:t>
+            </a:r>
+            <a:endParaRPr lang="sr-Latn-RS" b="1" dirty="0" smtClean="0"/>
           </a:p>
         </p:txBody>
       </p:sp>
@@ -6774,6 +7081,279 @@
     <p:extLst>
       <p:ext uri="{BB962C8B-B14F-4D97-AF65-F5344CB8AC3E}">
         <p14:creationId xmlns:p14="http://schemas.microsoft.com/office/powerpoint/2010/main" val="690820265"/>
+      </p:ext>
+    </p:extLst>
+  </p:cSld>
+  <p:clrMapOvr>
+    <a:masterClrMapping/>
+  </p:clrMapOvr>
+</p:sld>
+</file>
+
+<file path=ppt/slides/slide7.xml><?xml version="1.0" encoding="utf-8"?>
+<p:sld xmlns:a="http://schemas.openxmlformats.org/drawingml/2006/main" xmlns:r="http://schemas.openxmlformats.org/officeDocument/2006/relationships" xmlns:p="http://schemas.openxmlformats.org/presentationml/2006/main">
+  <p:cSld>
+    <p:spTree>
+      <p:nvGrpSpPr>
+        <p:cNvPr id="1" name=""/>
+        <p:cNvGrpSpPr/>
+        <p:nvPr/>
+      </p:nvGrpSpPr>
+      <p:grpSpPr>
+        <a:xfrm>
+          <a:off x="0" y="0"/>
+          <a:ext cx="0" cy="0"/>
+          <a:chOff x="0" y="0"/>
+          <a:chExt cx="0" cy="0"/>
+        </a:xfrm>
+      </p:grpSpPr>
+      <p:sp>
+        <p:nvSpPr>
+          <p:cNvPr id="2" name="Title 1"/>
+          <p:cNvSpPr>
+            <a:spLocks noGrp="1"/>
+          </p:cNvSpPr>
+          <p:nvPr>
+            <p:ph type="title"/>
+          </p:nvPr>
+        </p:nvSpPr>
+        <p:spPr/>
+        <p:txBody>
+          <a:bodyPr/>
+          <a:lstStyle/>
+          <a:p>
+            <a:r>
+              <a:rPr lang="sr-Latn-RS" dirty="0" smtClean="0"/>
+              <a:t>Koraci implementacije</a:t>
+            </a:r>
+            <a:endParaRPr lang="sr-Latn-RS" dirty="0"/>
+          </a:p>
+        </p:txBody>
+      </p:sp>
+      <p:sp>
+        <p:nvSpPr>
+          <p:cNvPr id="3" name="Content Placeholder 2"/>
+          <p:cNvSpPr>
+            <a:spLocks noGrp="1"/>
+          </p:cNvSpPr>
+          <p:nvPr>
+            <p:ph sz="quarter" idx="1"/>
+          </p:nvPr>
+        </p:nvSpPr>
+        <p:spPr/>
+        <p:txBody>
+          <a:bodyPr/>
+          <a:lstStyle/>
+          <a:p>
+            <a:r>
+              <a:rPr lang="sr-Latn-RS" b="1" dirty="0" smtClean="0"/>
+              <a:t>Obučavanje neuronske mreže</a:t>
+            </a:r>
+          </a:p>
+          <a:p>
+            <a:pPr lvl="1"/>
+            <a:r>
+              <a:rPr lang="sr-Latn-RS" b="1" dirty="0" smtClean="0"/>
+              <a:t>U implementaciji će biti korišten Word2vec. On predstavlja implementaciju neuronske mreže koja uči distribuiranu reprezentaciju reči. Word2vec je baziran na „Bag-of-words“ modelu.</a:t>
+            </a:r>
+          </a:p>
+          <a:p>
+            <a:pPr lvl="1"/>
+            <a:r>
+              <a:rPr lang="sr-Latn-RS" b="1" dirty="0" smtClean="0"/>
+              <a:t>Alternativno se može koristiti neka rekurentna mreža, ukoliko se pronadje odgovarajuća koja neće zahtevati previše resursa, kako vremenskih tako i hardverskih.</a:t>
+            </a:r>
+          </a:p>
+          <a:p>
+            <a:pPr lvl="1"/>
+            <a:endParaRPr lang="sr-Latn-RS" b="1" dirty="0"/>
+          </a:p>
+        </p:txBody>
+      </p:sp>
+    </p:spTree>
+    <p:extLst>
+      <p:ext uri="{BB962C8B-B14F-4D97-AF65-F5344CB8AC3E}">
+        <p14:creationId xmlns:p14="http://schemas.microsoft.com/office/powerpoint/2010/main" val="1993369064"/>
+      </p:ext>
+    </p:extLst>
+  </p:cSld>
+  <p:clrMapOvr>
+    <a:masterClrMapping/>
+  </p:clrMapOvr>
+</p:sld>
+</file>
+
+<file path=ppt/slides/slide8.xml><?xml version="1.0" encoding="utf-8"?>
+<p:sld xmlns:a="http://schemas.openxmlformats.org/drawingml/2006/main" xmlns:r="http://schemas.openxmlformats.org/officeDocument/2006/relationships" xmlns:p="http://schemas.openxmlformats.org/presentationml/2006/main">
+  <p:cSld>
+    <p:spTree>
+      <p:nvGrpSpPr>
+        <p:cNvPr id="1" name=""/>
+        <p:cNvGrpSpPr/>
+        <p:nvPr/>
+      </p:nvGrpSpPr>
+      <p:grpSpPr>
+        <a:xfrm>
+          <a:off x="0" y="0"/>
+          <a:ext cx="0" cy="0"/>
+          <a:chOff x="0" y="0"/>
+          <a:chExt cx="0" cy="0"/>
+        </a:xfrm>
+      </p:grpSpPr>
+      <p:sp>
+        <p:nvSpPr>
+          <p:cNvPr id="2" name="Title 1"/>
+          <p:cNvSpPr>
+            <a:spLocks noGrp="1"/>
+          </p:cNvSpPr>
+          <p:nvPr>
+            <p:ph type="title"/>
+          </p:nvPr>
+        </p:nvSpPr>
+        <p:spPr/>
+        <p:txBody>
+          <a:bodyPr/>
+          <a:lstStyle/>
+          <a:p>
+            <a:r>
+              <a:rPr lang="sr-Latn-RS" dirty="0" smtClean="0"/>
+              <a:t>Koraci implementacije</a:t>
+            </a:r>
+            <a:endParaRPr lang="sr-Latn-RS" dirty="0"/>
+          </a:p>
+        </p:txBody>
+      </p:sp>
+      <p:sp>
+        <p:nvSpPr>
+          <p:cNvPr id="3" name="Content Placeholder 2"/>
+          <p:cNvSpPr>
+            <a:spLocks noGrp="1"/>
+          </p:cNvSpPr>
+          <p:nvPr>
+            <p:ph sz="quarter" idx="1"/>
+          </p:nvPr>
+        </p:nvSpPr>
+        <p:spPr/>
+        <p:txBody>
+          <a:bodyPr/>
+          <a:lstStyle/>
+          <a:p>
+            <a:r>
+              <a:rPr lang="sr-Latn-RS" b="1" dirty="0" smtClean="0"/>
+              <a:t>Prikupljanje podatka putem Twitter API-a</a:t>
+            </a:r>
+          </a:p>
+          <a:p>
+            <a:pPr lvl="1"/>
+            <a:r>
+              <a:rPr lang="sr-Latn-RS" b="1" dirty="0" smtClean="0"/>
+              <a:t>Twitter poseduje REST API koji pruža programski pristup pisanju i ,nama važnije, čitanju podataka sa tvitera.</a:t>
+            </a:r>
+          </a:p>
+          <a:p>
+            <a:pPr lvl="1"/>
+            <a:r>
+              <a:rPr lang="sr-Latn-RS" b="1" dirty="0" smtClean="0"/>
+              <a:t>U implemtaciji prikupljanja podataka sa Twitter-a biće korišten Python programski jezik i neka od njegovih biblioteka za rad sa Twitter-om, kao što je Python Twitter Tools.</a:t>
+            </a:r>
+            <a:endParaRPr lang="sr-Latn-RS" b="1" dirty="0"/>
+          </a:p>
+        </p:txBody>
+      </p:sp>
+    </p:spTree>
+    <p:extLst>
+      <p:ext uri="{BB962C8B-B14F-4D97-AF65-F5344CB8AC3E}">
+        <p14:creationId xmlns:p14="http://schemas.microsoft.com/office/powerpoint/2010/main" val="1591472985"/>
+      </p:ext>
+    </p:extLst>
+  </p:cSld>
+  <p:clrMapOvr>
+    <a:masterClrMapping/>
+  </p:clrMapOvr>
+</p:sld>
+</file>
+
+<file path=ppt/slides/slide9.xml><?xml version="1.0" encoding="utf-8"?>
+<p:sld xmlns:a="http://schemas.openxmlformats.org/drawingml/2006/main" xmlns:r="http://schemas.openxmlformats.org/officeDocument/2006/relationships" xmlns:p="http://schemas.openxmlformats.org/presentationml/2006/main">
+  <p:cSld>
+    <p:spTree>
+      <p:nvGrpSpPr>
+        <p:cNvPr id="1" name=""/>
+        <p:cNvGrpSpPr/>
+        <p:nvPr/>
+      </p:nvGrpSpPr>
+      <p:grpSpPr>
+        <a:xfrm>
+          <a:off x="0" y="0"/>
+          <a:ext cx="0" cy="0"/>
+          <a:chOff x="0" y="0"/>
+          <a:chExt cx="0" cy="0"/>
+        </a:xfrm>
+      </p:grpSpPr>
+      <p:sp>
+        <p:nvSpPr>
+          <p:cNvPr id="2" name="Title 1"/>
+          <p:cNvSpPr>
+            <a:spLocks noGrp="1"/>
+          </p:cNvSpPr>
+          <p:nvPr>
+            <p:ph type="title"/>
+          </p:nvPr>
+        </p:nvSpPr>
+        <p:spPr/>
+        <p:txBody>
+          <a:bodyPr/>
+          <a:lstStyle/>
+          <a:p>
+            <a:r>
+              <a:rPr lang="sr-Latn-RS" dirty="0" smtClean="0"/>
+              <a:t>Koraci implementacije</a:t>
+            </a:r>
+            <a:endParaRPr lang="sr-Latn-RS" dirty="0"/>
+          </a:p>
+        </p:txBody>
+      </p:sp>
+      <p:sp>
+        <p:nvSpPr>
+          <p:cNvPr id="3" name="Content Placeholder 2"/>
+          <p:cNvSpPr>
+            <a:spLocks noGrp="1"/>
+          </p:cNvSpPr>
+          <p:nvPr>
+            <p:ph sz="quarter" idx="1"/>
+          </p:nvPr>
+        </p:nvSpPr>
+        <p:spPr/>
+        <p:txBody>
+          <a:bodyPr/>
+          <a:lstStyle/>
+          <a:p>
+            <a:r>
+              <a:rPr lang="sr-Latn-RS" b="1" dirty="0" smtClean="0"/>
+              <a:t>Normalizacija tvitova</a:t>
+            </a:r>
+          </a:p>
+          <a:p>
+            <a:pPr lvl="1"/>
+            <a:r>
+              <a:rPr lang="sr-Latn-RS" b="1" dirty="0" smtClean="0"/>
+              <a:t>U zavisnosti od dobijenih rezultata tvitovi mogu biti podvrgunti nekim tipovima normalizacije i modifikacije tvitova kao što su:</a:t>
+            </a:r>
+          </a:p>
+          <a:p>
+            <a:pPr lvl="2"/>
+            <a:r>
+              <a:rPr lang="sr-Latn-RS" b="1" dirty="0" smtClean="0"/>
+              <a:t>Uklanjanje nepoznatih reči, emotikona, slenga i slično.</a:t>
+            </a:r>
+            <a:endParaRPr lang="sr-Latn-RS" b="1" dirty="0"/>
+          </a:p>
+        </p:txBody>
+      </p:sp>
+    </p:spTree>
+    <p:extLst>
+      <p:ext uri="{BB962C8B-B14F-4D97-AF65-F5344CB8AC3E}">
+        <p14:creationId xmlns:p14="http://schemas.microsoft.com/office/powerpoint/2010/main" val="4245472156"/>
       </p:ext>
     </p:extLst>
   </p:cSld>
